--- a/Team2/Week2/FBA Quant_fml team2_2week.pptx
+++ b/Team2/Week2/FBA Quant_fml team2_2week.pptx
@@ -14896,90 +14896,6 @@
       </p:sp>
       <p:sp>
         <p:nvSpPr>
-          <p:cNvPr id="5" name="내용 개체 틀 4">
-            <a:extLst>
-              <a:ext uri="{FF2B5EF4-FFF2-40B4-BE49-F238E27FC236}">
-                <a16:creationId xmlns:a16="http://schemas.microsoft.com/office/drawing/2014/main" id="{68A50907-803A-98B5-4A9F-5C947F197096}"/>
-              </a:ext>
-            </a:extLst>
-          </p:cNvPr>
-          <p:cNvSpPr>
-            <a:spLocks noGrp="1"/>
-          </p:cNvSpPr>
-          <p:nvPr>
-            <p:ph idx="1"/>
-          </p:nvPr>
-        </p:nvSpPr>
-        <p:spPr>
-          <a:xfrm>
-            <a:off x="423930" y="4611260"/>
-            <a:ext cx="8091418" cy="1795892"/>
-          </a:xfrm>
-        </p:spPr>
-        <p:txBody>
-          <a:bodyPr/>
-          <a:lstStyle/>
-          <a:p>
-            <a:r>
-              <a:rPr lang="en-US" altLang="ko-KR" dirty="0"/>
-              <a:t>				m=0.9</a:t>
-            </a:r>
-          </a:p>
-          <a:p>
-            <a:endParaRPr lang="en-US" altLang="ko-KR" dirty="0"/>
-          </a:p>
-          <a:p>
-            <a:r>
-              <a:rPr lang="en-US" altLang="ko-KR" dirty="0"/>
-              <a:t>		t=1, grad=0.5)    Vt = </a:t>
-            </a:r>
-            <a:r>
-              <a:rPr lang="en-US" altLang="ko-KR" dirty="0">
-                <a:solidFill>
-                  <a:srgbClr val="FF0000"/>
-                </a:solidFill>
-              </a:rPr>
-              <a:t>– </a:t>
-            </a:r>
-            <a:r>
-              <a:rPr lang="en-US" altLang="ko-KR" dirty="0"/>
-              <a:t>0.5 </a:t>
-            </a:r>
-          </a:p>
-          <a:p>
-            <a:r>
-              <a:rPr lang="en-US" altLang="ko-KR" dirty="0"/>
-              <a:t>		t=2, grad= </a:t>
-            </a:r>
-            <a:r>
-              <a:rPr lang="en-US" altLang="ko-KR" dirty="0">
-                <a:solidFill>
-                  <a:srgbClr val="FF0000"/>
-                </a:solidFill>
-              </a:rPr>
-              <a:t>–</a:t>
-            </a:r>
-            <a:r>
-              <a:rPr lang="en-US" altLang="ko-KR" dirty="0"/>
-              <a:t>0.3)   Vt = 0.9 * (– 0.5) + 0.3 =</a:t>
-            </a:r>
-            <a:r>
-              <a:rPr lang="en-US" altLang="ko-KR" dirty="0">
-                <a:solidFill>
-                  <a:srgbClr val="FF0000"/>
-                </a:solidFill>
-              </a:rPr>
-              <a:t> – </a:t>
-            </a:r>
-            <a:r>
-              <a:rPr lang="en-US" altLang="ko-KR" dirty="0"/>
-              <a:t>0.15</a:t>
-            </a:r>
-          </a:p>
-        </p:txBody>
-      </p:sp>
-      <p:sp>
-        <p:nvSpPr>
           <p:cNvPr id="12" name="내용 개체 틀 2">
             <a:extLst>
               <a:ext uri="{FF2B5EF4-FFF2-40B4-BE49-F238E27FC236}">
@@ -15183,10 +15099,16 @@
             <a:endParaRPr lang="en-US" altLang="ko-KR" dirty="0"/>
           </a:p>
           <a:p>
+            <a:endParaRPr lang="en-US" altLang="ko-KR" dirty="0"/>
+          </a:p>
+          <a:p>
             <a:r>
               <a:rPr lang="en-US" altLang="ko-KR" dirty="0"/>
               <a:t>NAG</a:t>
             </a:r>
+          </a:p>
+          <a:p>
+            <a:endParaRPr lang="en-US" altLang="ko-KR" dirty="0"/>
           </a:p>
         </p:txBody>
       </p:sp>
@@ -15212,7 +15134,7 @@
         </p:blipFill>
         <p:spPr>
           <a:xfrm>
-            <a:off x="4701470" y="3086100"/>
+            <a:off x="4701470" y="3910188"/>
             <a:ext cx="1400175" cy="342900"/>
           </a:xfrm>
           <a:prstGeom prst="rect">
@@ -15277,7 +15199,7 @@
         </p:blipFill>
         <p:spPr>
           <a:xfrm>
-            <a:off x="2895600" y="3526608"/>
+            <a:off x="2895600" y="4350696"/>
             <a:ext cx="3352800" cy="752475"/>
           </a:xfrm>
           <a:prstGeom prst="rect">
@@ -15299,7 +15221,7 @@
         </p:nvSpPr>
         <p:spPr>
           <a:xfrm>
-            <a:off x="5147380" y="3553828"/>
+            <a:off x="5147380" y="4377916"/>
             <a:ext cx="734131" cy="318261"/>
           </a:xfrm>
           <a:prstGeom prst="rect">
@@ -15334,6 +15256,46 @@
           <a:p>
             <a:pPr algn="ctr"/>
             <a:endParaRPr lang="ko-KR" altLang="en-US"/>
+          </a:p>
+        </p:txBody>
+      </p:sp>
+      <p:sp>
+        <p:nvSpPr>
+          <p:cNvPr id="4" name="내용 개체 틀 3">
+            <a:extLst>
+              <a:ext uri="{FF2B5EF4-FFF2-40B4-BE49-F238E27FC236}">
+                <a16:creationId xmlns:a16="http://schemas.microsoft.com/office/drawing/2014/main" id="{B0144088-0898-0A1D-FA1A-2AB40B4C52EB}"/>
+              </a:ext>
+            </a:extLst>
+          </p:cNvPr>
+          <p:cNvSpPr>
+            <a:spLocks noGrp="1"/>
+          </p:cNvSpPr>
+          <p:nvPr>
+            <p:ph idx="1"/>
+          </p:nvPr>
+        </p:nvSpPr>
+        <p:spPr/>
+        <p:txBody>
+          <a:bodyPr/>
+          <a:lstStyle/>
+          <a:p>
+            <a:endParaRPr lang="en-US" altLang="ko-KR" dirty="0"/>
+          </a:p>
+          <a:p>
+            <a:endParaRPr lang="en-US" altLang="ko-KR" dirty="0"/>
+          </a:p>
+          <a:p>
+            <a:endParaRPr lang="en-US" altLang="ko-KR" dirty="0"/>
+          </a:p>
+          <a:p>
+            <a:endParaRPr lang="en-US" altLang="ko-KR" dirty="0"/>
+          </a:p>
+          <a:p>
+            <a:endParaRPr lang="en-US" altLang="ko-KR" dirty="0"/>
+          </a:p>
+          <a:p>
+            <a:endParaRPr lang="ko-KR" altLang="en-US" dirty="0"/>
           </a:p>
         </p:txBody>
       </p:sp>
